--- a/Slides/PythonArcadeStep7DisplayTheScore.pptx
+++ b/Slides/PythonArcadeStep7DisplayTheScore.pptx
@@ -237,7 +237,7 @@
           <a:p>
             <a:fld id="{095922B8-2402-4D07-8CC1-A7973D5DEA1D}" type="datetimeFigureOut">
               <a:rPr lang="en-US" smtClean="0"/>
-              <a:t>08-Apr-21</a:t>
+              <a:t>10-Apr-21</a:t>
             </a:fld>
             <a:endParaRPr lang="en-US"/>
           </a:p>
@@ -818,7 +818,7 @@
           <a:p>
             <a:fld id="{E2BFE950-A675-4D2F-BC24-F20C16678C63}" type="datetimeFigureOut">
               <a:rPr lang="en-US" smtClean="0"/>
-              <a:t>08-Apr-21</a:t>
+              <a:t>10-Apr-21</a:t>
             </a:fld>
             <a:endParaRPr lang="en-US"/>
           </a:p>
@@ -1121,7 +1121,7 @@
           <a:p>
             <a:fld id="{E2BFE950-A675-4D2F-BC24-F20C16678C63}" type="datetimeFigureOut">
               <a:rPr lang="en-US" smtClean="0"/>
-              <a:t>08-Apr-21</a:t>
+              <a:t>10-Apr-21</a:t>
             </a:fld>
             <a:endParaRPr lang="en-US"/>
           </a:p>
@@ -1290,7 +1290,7 @@
           <a:p>
             <a:fld id="{E2BFE950-A675-4D2F-BC24-F20C16678C63}" type="datetimeFigureOut">
               <a:rPr lang="en-US" smtClean="0"/>
-              <a:t>08-Apr-21</a:t>
+              <a:t>10-Apr-21</a:t>
             </a:fld>
             <a:endParaRPr lang="en-US"/>
           </a:p>
@@ -1464,7 +1464,7 @@
           <a:p>
             <a:fld id="{E2BFE950-A675-4D2F-BC24-F20C16678C63}" type="datetimeFigureOut">
               <a:rPr lang="en-US" smtClean="0"/>
-              <a:t>08-Apr-21</a:t>
+              <a:t>10-Apr-21</a:t>
             </a:fld>
             <a:endParaRPr lang="en-US"/>
           </a:p>
@@ -1627,7 +1627,7 @@
           <a:p>
             <a:fld id="{E2BFE950-A675-4D2F-BC24-F20C16678C63}" type="datetimeFigureOut">
               <a:rPr lang="en-US" smtClean="0"/>
-              <a:t>08-Apr-21</a:t>
+              <a:t>10-Apr-21</a:t>
             </a:fld>
             <a:endParaRPr lang="en-US"/>
           </a:p>
@@ -1800,7 +1800,7 @@
           <a:p>
             <a:fld id="{E2BFE950-A675-4D2F-BC24-F20C16678C63}" type="datetimeFigureOut">
               <a:rPr lang="en-US" smtClean="0"/>
-              <a:t>08-Apr-21</a:t>
+              <a:t>10-Apr-21</a:t>
             </a:fld>
             <a:endParaRPr lang="en-US"/>
           </a:p>
@@ -2089,7 +2089,7 @@
           <a:p>
             <a:fld id="{E2BFE950-A675-4D2F-BC24-F20C16678C63}" type="datetimeFigureOut">
               <a:rPr lang="en-US" smtClean="0"/>
-              <a:t>08-Apr-21</a:t>
+              <a:t>10-Apr-21</a:t>
             </a:fld>
             <a:endParaRPr lang="en-US"/>
           </a:p>
@@ -2413,7 +2413,7 @@
           <a:p>
             <a:fld id="{E2BFE950-A675-4D2F-BC24-F20C16678C63}" type="datetimeFigureOut">
               <a:rPr lang="en-US" smtClean="0"/>
-              <a:t>08-Apr-21</a:t>
+              <a:t>10-Apr-21</a:t>
             </a:fld>
             <a:endParaRPr lang="en-US"/>
           </a:p>
@@ -2837,7 +2837,7 @@
           <a:p>
             <a:fld id="{E2BFE950-A675-4D2F-BC24-F20C16678C63}" type="datetimeFigureOut">
               <a:rPr lang="en-US" smtClean="0"/>
-              <a:t>08-Apr-21</a:t>
+              <a:t>10-Apr-21</a:t>
             </a:fld>
             <a:endParaRPr lang="en-US"/>
           </a:p>
@@ -3010,7 +3010,7 @@
           <a:p>
             <a:fld id="{E2BFE950-A675-4D2F-BC24-F20C16678C63}" type="datetimeFigureOut">
               <a:rPr lang="en-US" smtClean="0"/>
-              <a:t>08-Apr-21</a:t>
+              <a:t>10-Apr-21</a:t>
             </a:fld>
             <a:endParaRPr lang="en-US"/>
           </a:p>
@@ -3100,7 +3100,7 @@
           <a:p>
             <a:fld id="{E2BFE950-A675-4D2F-BC24-F20C16678C63}" type="datetimeFigureOut">
               <a:rPr lang="en-US" smtClean="0"/>
-              <a:t>08-Apr-21</a:t>
+              <a:t>10-Apr-21</a:t>
             </a:fld>
             <a:endParaRPr lang="en-US"/>
           </a:p>
@@ -3379,7 +3379,7 @@
           <a:p>
             <a:fld id="{E2BFE950-A675-4D2F-BC24-F20C16678C63}" type="datetimeFigureOut">
               <a:rPr lang="en-US" smtClean="0"/>
-              <a:t>08-Apr-21</a:t>
+              <a:t>10-Apr-21</a:t>
             </a:fld>
             <a:endParaRPr lang="en-US"/>
           </a:p>
@@ -3626,7 +3626,7 @@
           <a:p>
             <a:fld id="{E2BFE950-A675-4D2F-BC24-F20C16678C63}" type="datetimeFigureOut">
               <a:rPr lang="en-US" smtClean="0"/>
-              <a:t>08-Apr-21</a:t>
+              <a:t>10-Apr-21</a:t>
             </a:fld>
             <a:endParaRPr lang="en-US"/>
           </a:p>
@@ -4212,9 +4212,10 @@
           <a:lstStyle/>
           <a:p>
             <a:r>
-              <a:rPr lang="en-US" dirty="0"/>
-              <a:t>Instructor: Rob Garner</a:t>
-            </a:r>
+              <a:rPr lang="en-US"/>
+              <a:t>Instructor: Rob Garner (rgarner7@cnm.edu)</a:t>
+            </a:r>
+            <a:endParaRPr lang="en-US" dirty="0"/>
           </a:p>
         </p:txBody>
       </p:sp>
